--- a/05-theory-of-automata/Pushdown Automata vs Turing Machine.pptx
+++ b/05-theory-of-automata/Pushdown Automata vs Turing Machine.pptx
@@ -252,7 +252,7 @@
           <a:p>
             <a:fld id="{0F77A547-B13A-4AEF-96A6-AD764426AB67}" type="datetimeFigureOut">
               <a:rPr lang="en-CA" smtClean="0"/>
-              <a:t>2025-04-22</a:t>
+              <a:t>2025-05-27</a:t>
             </a:fld>
             <a:endParaRPr lang="en-CA"/>
           </a:p>
@@ -422,7 +422,7 @@
           <a:p>
             <a:fld id="{0F77A547-B13A-4AEF-96A6-AD764426AB67}" type="datetimeFigureOut">
               <a:rPr lang="en-CA" smtClean="0"/>
-              <a:t>2025-04-22</a:t>
+              <a:t>2025-05-27</a:t>
             </a:fld>
             <a:endParaRPr lang="en-CA"/>
           </a:p>
@@ -602,7 +602,7 @@
           <a:p>
             <a:fld id="{0F77A547-B13A-4AEF-96A6-AD764426AB67}" type="datetimeFigureOut">
               <a:rPr lang="en-CA" smtClean="0"/>
-              <a:t>2025-04-22</a:t>
+              <a:t>2025-05-27</a:t>
             </a:fld>
             <a:endParaRPr lang="en-CA"/>
           </a:p>
@@ -772,7 +772,7 @@
           <a:p>
             <a:fld id="{0F77A547-B13A-4AEF-96A6-AD764426AB67}" type="datetimeFigureOut">
               <a:rPr lang="en-CA" smtClean="0"/>
-              <a:t>2025-04-22</a:t>
+              <a:t>2025-05-27</a:t>
             </a:fld>
             <a:endParaRPr lang="en-CA"/>
           </a:p>
@@ -1018,7 +1018,7 @@
           <a:p>
             <a:fld id="{0F77A547-B13A-4AEF-96A6-AD764426AB67}" type="datetimeFigureOut">
               <a:rPr lang="en-CA" smtClean="0"/>
-              <a:t>2025-04-22</a:t>
+              <a:t>2025-05-27</a:t>
             </a:fld>
             <a:endParaRPr lang="en-CA"/>
           </a:p>
@@ -1250,7 +1250,7 @@
           <a:p>
             <a:fld id="{0F77A547-B13A-4AEF-96A6-AD764426AB67}" type="datetimeFigureOut">
               <a:rPr lang="en-CA" smtClean="0"/>
-              <a:t>2025-04-22</a:t>
+              <a:t>2025-05-27</a:t>
             </a:fld>
             <a:endParaRPr lang="en-CA"/>
           </a:p>
@@ -1617,7 +1617,7 @@
           <a:p>
             <a:fld id="{0F77A547-B13A-4AEF-96A6-AD764426AB67}" type="datetimeFigureOut">
               <a:rPr lang="en-CA" smtClean="0"/>
-              <a:t>2025-04-22</a:t>
+              <a:t>2025-05-27</a:t>
             </a:fld>
             <a:endParaRPr lang="en-CA"/>
           </a:p>
@@ -1735,7 +1735,7 @@
           <a:p>
             <a:fld id="{0F77A547-B13A-4AEF-96A6-AD764426AB67}" type="datetimeFigureOut">
               <a:rPr lang="en-CA" smtClean="0"/>
-              <a:t>2025-04-22</a:t>
+              <a:t>2025-05-27</a:t>
             </a:fld>
             <a:endParaRPr lang="en-CA"/>
           </a:p>
@@ -1830,7 +1830,7 @@
           <a:p>
             <a:fld id="{0F77A547-B13A-4AEF-96A6-AD764426AB67}" type="datetimeFigureOut">
               <a:rPr lang="en-CA" smtClean="0"/>
-              <a:t>2025-04-22</a:t>
+              <a:t>2025-05-27</a:t>
             </a:fld>
             <a:endParaRPr lang="en-CA"/>
           </a:p>
@@ -2107,7 +2107,7 @@
           <a:p>
             <a:fld id="{0F77A547-B13A-4AEF-96A6-AD764426AB67}" type="datetimeFigureOut">
               <a:rPr lang="en-CA" smtClean="0"/>
-              <a:t>2025-04-22</a:t>
+              <a:t>2025-05-27</a:t>
             </a:fld>
             <a:endParaRPr lang="en-CA"/>
           </a:p>
@@ -2360,7 +2360,7 @@
           <a:p>
             <a:fld id="{0F77A547-B13A-4AEF-96A6-AD764426AB67}" type="datetimeFigureOut">
               <a:rPr lang="en-CA" smtClean="0"/>
-              <a:t>2025-04-22</a:t>
+              <a:t>2025-05-27</a:t>
             </a:fld>
             <a:endParaRPr lang="en-CA"/>
           </a:p>
@@ -2573,7 +2573,7 @@
           <a:p>
             <a:fld id="{0F77A547-B13A-4AEF-96A6-AD764426AB67}" type="datetimeFigureOut">
               <a:rPr lang="en-CA" smtClean="0"/>
-              <a:t>2025-04-22</a:t>
+              <a:t>2025-05-27</a:t>
             </a:fld>
             <a:endParaRPr lang="en-CA"/>
           </a:p>
@@ -3002,13 +3002,6 @@
               </a:rPr>
               <a:t>Pushdown Automata </a:t>
             </a:r>
-            <a:r>
-              <a:rPr lang="en-US" dirty="0" smtClean="0">
-                <a:latin typeface="Times New Roman" panose="02020603050405020304" pitchFamily="18" charset="0"/>
-                <a:cs typeface="Times New Roman" panose="02020603050405020304" pitchFamily="18" charset="0"/>
-              </a:rPr>
-              <a:t/>
-            </a:r>
             <a:br>
               <a:rPr lang="en-US" dirty="0" smtClean="0">
                 <a:latin typeface="Times New Roman" panose="02020603050405020304" pitchFamily="18" charset="0"/>
@@ -3033,14 +3026,7 @@
                 <a:latin typeface="Times New Roman" panose="02020603050405020304" pitchFamily="18" charset="0"/>
                 <a:cs typeface="Times New Roman" panose="02020603050405020304" pitchFamily="18" charset="0"/>
               </a:rPr>
-              <a:t>Turing </a:t>
-            </a:r>
-            <a:r>
-              <a:rPr lang="en-US" dirty="0" smtClean="0">
-                <a:latin typeface="Times New Roman" panose="02020603050405020304" pitchFamily="18" charset="0"/>
-                <a:cs typeface="Times New Roman" panose="02020603050405020304" pitchFamily="18" charset="0"/>
-              </a:rPr>
-              <a:t>Machine</a:t>
+              <a:t>Turing Machine</a:t>
             </a:r>
             <a:endParaRPr lang="en-CA" dirty="0">
               <a:latin typeface="Times New Roman" panose="02020603050405020304" pitchFamily="18" charset="0"/>
@@ -3087,14 +3073,7 @@
                 <a:latin typeface="Times New Roman" panose="02020603050405020304" pitchFamily="18" charset="0"/>
                 <a:cs typeface="Times New Roman" panose="02020603050405020304" pitchFamily="18" charset="0"/>
               </a:rPr>
-              <a:t>April 23, </a:t>
-            </a:r>
-            <a:r>
-              <a:rPr lang="en-CA" dirty="0" smtClean="0">
-                <a:latin typeface="Times New Roman" panose="02020603050405020304" pitchFamily="18" charset="0"/>
-                <a:cs typeface="Times New Roman" panose="02020603050405020304" pitchFamily="18" charset="0"/>
-              </a:rPr>
-              <a:t>2025</a:t>
+              <a:t>April 23, 2025</a:t>
             </a:r>
             <a:endParaRPr lang="en-CA" dirty="0">
               <a:latin typeface="Times New Roman" panose="02020603050405020304" pitchFamily="18" charset="0"/>
@@ -3474,14 +3453,7 @@
                 <a:latin typeface="Times New Roman" panose="02020603050405020304" pitchFamily="18" charset="0"/>
                 <a:cs typeface="Times New Roman" panose="02020603050405020304" pitchFamily="18" charset="0"/>
               </a:rPr>
-              <a:t>Chomsky </a:t>
-            </a:r>
-            <a:r>
-              <a:rPr lang="en-CA" sz="2400" dirty="0" smtClean="0">
-                <a:latin typeface="Times New Roman" panose="02020603050405020304" pitchFamily="18" charset="0"/>
-                <a:cs typeface="Times New Roman" panose="02020603050405020304" pitchFamily="18" charset="0"/>
-              </a:rPr>
-              <a:t>Hierarchy</a:t>
+              <a:t>Chomsky Hierarchy</a:t>
             </a:r>
             <a:endParaRPr lang="en-CA" sz="2400" dirty="0">
               <a:latin typeface="Times New Roman" panose="02020603050405020304" pitchFamily="18" charset="0"/>
@@ -4909,6 +4881,13 @@
   <p:clrMapOvr>
     <a:masterClrMapping/>
   </p:clrMapOvr>
+  <p:timing>
+    <p:tnLst>
+      <p:par>
+        <p:cTn id="1" dur="indefinite" restart="never" nodeType="tmRoot"/>
+      </p:par>
+    </p:tnLst>
+  </p:timing>
 </p:sld>
 </file>
 
@@ -5017,6 +4996,13 @@
   <p:clrMapOvr>
     <a:masterClrMapping/>
   </p:clrMapOvr>
+  <p:timing>
+    <p:tnLst>
+      <p:par>
+        <p:cTn id="1" dur="indefinite" restart="never" nodeType="tmRoot"/>
+      </p:par>
+    </p:tnLst>
+  </p:timing>
 </p:sld>
 </file>
 
